--- a/1-foundations/5-geospatial-analysis/Introduction to GIS.pptx
+++ b/1-foundations/5-geospatial-analysis/Introduction to GIS.pptx
@@ -5,7 +5,7 @@
     <p:sldMasterId id="2147483648" r:id="rId1"/>
   </p:sldMasterIdLst>
   <p:notesMasterIdLst>
-    <p:notesMasterId r:id="rId13"/>
+    <p:notesMasterId r:id="rId12"/>
   </p:notesMasterIdLst>
   <p:sldIdLst>
     <p:sldId id="256" r:id="rId2"/>
@@ -18,7 +18,6 @@
     <p:sldId id="269" r:id="rId9"/>
     <p:sldId id="270" r:id="rId10"/>
     <p:sldId id="262" r:id="rId11"/>
-    <p:sldId id="271" r:id="rId12"/>
   </p:sldIdLst>
   <p:sldSz cx="12192000" cy="6858000"/>
   <p:notesSz cx="6858000" cy="9144000"/>
@@ -207,7 +206,7 @@
           <a:p>
             <a:fld id="{3605831A-2F16-FB41-BAA7-C11FC10ABBAB}" type="datetimeFigureOut">
               <a:rPr lang="en-US" smtClean="0"/>
-              <a:t>11/21/23</a:t>
+              <a:t>12/4/23</a:t>
             </a:fld>
             <a:endParaRPr lang="en-US"/>
           </a:p>
@@ -1017,107 +1016,6 @@
 </p:notes>
 </file>
 
-<file path=ppt/notesSlides/notesSlide6.xml><?xml version="1.0" encoding="utf-8"?>
-<p:notes xmlns:a="http://schemas.openxmlformats.org/drawingml/2006/main" xmlns:r="http://schemas.openxmlformats.org/officeDocument/2006/relationships" xmlns:p="http://schemas.openxmlformats.org/presentationml/2006/main">
-  <p:cSld>
-    <p:spTree>
-      <p:nvGrpSpPr>
-        <p:cNvPr id="1" name=""/>
-        <p:cNvGrpSpPr/>
-        <p:nvPr/>
-      </p:nvGrpSpPr>
-      <p:grpSpPr>
-        <a:xfrm>
-          <a:off x="0" y="0"/>
-          <a:ext cx="0" cy="0"/>
-          <a:chOff x="0" y="0"/>
-          <a:chExt cx="0" cy="0"/>
-        </a:xfrm>
-      </p:grpSpPr>
-      <p:sp>
-        <p:nvSpPr>
-          <p:cNvPr id="2" name="Slide Image Placeholder 1"/>
-          <p:cNvSpPr>
-            <a:spLocks noGrp="1" noRot="1" noChangeAspect="1"/>
-          </p:cNvSpPr>
-          <p:nvPr>
-            <p:ph type="sldImg"/>
-          </p:nvPr>
-        </p:nvSpPr>
-        <p:spPr/>
-      </p:sp>
-      <p:sp>
-        <p:nvSpPr>
-          <p:cNvPr id="3" name="Notes Placeholder 2"/>
-          <p:cNvSpPr>
-            <a:spLocks noGrp="1"/>
-          </p:cNvSpPr>
-          <p:nvPr>
-            <p:ph type="body" idx="1"/>
-          </p:nvPr>
-        </p:nvSpPr>
-        <p:spPr/>
-        <p:txBody>
-          <a:bodyPr/>
-          <a:lstStyle/>
-          <a:p>
-            <a:r>
-              <a:rPr lang="en-US" dirty="0"/>
-              <a:t>References:</a:t>
-            </a:r>
-          </a:p>
-          <a:p>
-            <a:r>
-              <a:rPr lang="en-US" dirty="0"/>
-              <a:t>* https://r-</a:t>
-            </a:r>
-            <a:r>
-              <a:rPr lang="en-US" dirty="0" err="1"/>
-              <a:t>spatial.org</a:t>
-            </a:r>
-            <a:r>
-              <a:rPr lang="en-US" dirty="0"/>
-              <a:t>/book/02-Spaces.html</a:t>
-            </a:r>
-          </a:p>
-        </p:txBody>
-      </p:sp>
-      <p:sp>
-        <p:nvSpPr>
-          <p:cNvPr id="4" name="Slide Number Placeholder 3"/>
-          <p:cNvSpPr>
-            <a:spLocks noGrp="1"/>
-          </p:cNvSpPr>
-          <p:nvPr>
-            <p:ph type="sldNum" sz="quarter" idx="5"/>
-          </p:nvPr>
-        </p:nvSpPr>
-        <p:spPr/>
-        <p:txBody>
-          <a:bodyPr/>
-          <a:lstStyle/>
-          <a:p>
-            <a:fld id="{C6F582BA-0CC1-5B43-8DFD-AD230DB5C806}" type="slidenum">
-              <a:rPr lang="en-US" smtClean="0"/>
-              <a:t>11</a:t>
-            </a:fld>
-            <a:endParaRPr lang="en-US"/>
-          </a:p>
-        </p:txBody>
-      </p:sp>
-    </p:spTree>
-    <p:extLst>
-      <p:ext uri="{BB962C8B-B14F-4D97-AF65-F5344CB8AC3E}">
-        <p14:creationId xmlns:p14="http://schemas.microsoft.com/office/powerpoint/2010/main" val="253984432"/>
-      </p:ext>
-    </p:extLst>
-  </p:cSld>
-  <p:clrMapOvr>
-    <a:masterClrMapping/>
-  </p:clrMapOvr>
-</p:notes>
-</file>
-
 <file path=ppt/slideLayouts/slideLayout1.xml><?xml version="1.0" encoding="utf-8"?>
 <p:sldLayout xmlns:a="http://schemas.openxmlformats.org/drawingml/2006/main" xmlns:r="http://schemas.openxmlformats.org/officeDocument/2006/relationships" xmlns:p="http://schemas.openxmlformats.org/presentationml/2006/main" type="title" preserve="1">
   <p:cSld name="Title Slide">
@@ -1265,7 +1163,7 @@
           <a:p>
             <a:fld id="{DCD26B3D-8916-5546-875A-BF82EDE0EF00}" type="datetimeFigureOut">
               <a:rPr lang="en-US" smtClean="0"/>
-              <a:t>11/21/23</a:t>
+              <a:t>12/4/23</a:t>
             </a:fld>
             <a:endParaRPr lang="en-US"/>
           </a:p>
@@ -1463,7 +1361,7 @@
           <a:p>
             <a:fld id="{DCD26B3D-8916-5546-875A-BF82EDE0EF00}" type="datetimeFigureOut">
               <a:rPr lang="en-US" smtClean="0"/>
-              <a:t>11/21/23</a:t>
+              <a:t>12/4/23</a:t>
             </a:fld>
             <a:endParaRPr lang="en-US"/>
           </a:p>
@@ -1671,7 +1569,7 @@
           <a:p>
             <a:fld id="{DCD26B3D-8916-5546-875A-BF82EDE0EF00}" type="datetimeFigureOut">
               <a:rPr lang="en-US" smtClean="0"/>
-              <a:t>11/21/23</a:t>
+              <a:t>12/4/23</a:t>
             </a:fld>
             <a:endParaRPr lang="en-US"/>
           </a:p>
@@ -1869,7 +1767,7 @@
           <a:p>
             <a:fld id="{DCD26B3D-8916-5546-875A-BF82EDE0EF00}" type="datetimeFigureOut">
               <a:rPr lang="en-US" smtClean="0"/>
-              <a:t>11/21/23</a:t>
+              <a:t>12/4/23</a:t>
             </a:fld>
             <a:endParaRPr lang="en-US"/>
           </a:p>
@@ -2144,7 +2042,7 @@
           <a:p>
             <a:fld id="{DCD26B3D-8916-5546-875A-BF82EDE0EF00}" type="datetimeFigureOut">
               <a:rPr lang="en-US" smtClean="0"/>
-              <a:t>11/21/23</a:t>
+              <a:t>12/4/23</a:t>
             </a:fld>
             <a:endParaRPr lang="en-US"/>
           </a:p>
@@ -2409,7 +2307,7 @@
           <a:p>
             <a:fld id="{DCD26B3D-8916-5546-875A-BF82EDE0EF00}" type="datetimeFigureOut">
               <a:rPr lang="en-US" smtClean="0"/>
-              <a:t>11/21/23</a:t>
+              <a:t>12/4/23</a:t>
             </a:fld>
             <a:endParaRPr lang="en-US"/>
           </a:p>
@@ -2821,7 +2719,7 @@
           <a:p>
             <a:fld id="{DCD26B3D-8916-5546-875A-BF82EDE0EF00}" type="datetimeFigureOut">
               <a:rPr lang="en-US" smtClean="0"/>
-              <a:t>11/21/23</a:t>
+              <a:t>12/4/23</a:t>
             </a:fld>
             <a:endParaRPr lang="en-US"/>
           </a:p>
@@ -2962,7 +2860,7 @@
           <a:p>
             <a:fld id="{DCD26B3D-8916-5546-875A-BF82EDE0EF00}" type="datetimeFigureOut">
               <a:rPr lang="en-US" smtClean="0"/>
-              <a:t>11/21/23</a:t>
+              <a:t>12/4/23</a:t>
             </a:fld>
             <a:endParaRPr lang="en-US"/>
           </a:p>
@@ -3075,7 +2973,7 @@
           <a:p>
             <a:fld id="{DCD26B3D-8916-5546-875A-BF82EDE0EF00}" type="datetimeFigureOut">
               <a:rPr lang="en-US" smtClean="0"/>
-              <a:t>11/21/23</a:t>
+              <a:t>12/4/23</a:t>
             </a:fld>
             <a:endParaRPr lang="en-US"/>
           </a:p>
@@ -3386,7 +3284,7 @@
           <a:p>
             <a:fld id="{DCD26B3D-8916-5546-875A-BF82EDE0EF00}" type="datetimeFigureOut">
               <a:rPr lang="en-US" smtClean="0"/>
-              <a:t>11/21/23</a:t>
+              <a:t>12/4/23</a:t>
             </a:fld>
             <a:endParaRPr lang="en-US"/>
           </a:p>
@@ -3674,7 +3572,7 @@
           <a:p>
             <a:fld id="{DCD26B3D-8916-5546-875A-BF82EDE0EF00}" type="datetimeFigureOut">
               <a:rPr lang="en-US" smtClean="0"/>
-              <a:t>11/21/23</a:t>
+              <a:t>12/4/23</a:t>
             </a:fld>
             <a:endParaRPr lang="en-US"/>
           </a:p>
@@ -3915,7 +3813,7 @@
           <a:p>
             <a:fld id="{DCD26B3D-8916-5546-875A-BF82EDE0EF00}" type="datetimeFigureOut">
               <a:rPr lang="en-US" smtClean="0"/>
-              <a:t>11/21/23</a:t>
+              <a:t>12/4/23</a:t>
             </a:fld>
             <a:endParaRPr lang="en-US"/>
           </a:p>
@@ -4723,444 +4621,6 @@
     <p:extLst>
       <p:ext uri="{BB962C8B-B14F-4D97-AF65-F5344CB8AC3E}">
         <p14:creationId xmlns:p14="http://schemas.microsoft.com/office/powerpoint/2010/main" val="1180718471"/>
-      </p:ext>
-    </p:extLst>
-  </p:cSld>
-  <p:clrMapOvr>
-    <a:masterClrMapping/>
-  </p:clrMapOvr>
-</p:sld>
-</file>
-
-<file path=ppt/slides/slide11.xml><?xml version="1.0" encoding="utf-8"?>
-<p:sld xmlns:a="http://schemas.openxmlformats.org/drawingml/2006/main" xmlns:r="http://schemas.openxmlformats.org/officeDocument/2006/relationships" xmlns:p="http://schemas.openxmlformats.org/presentationml/2006/main">
-  <p:cSld>
-    <p:spTree>
-      <p:nvGrpSpPr>
-        <p:cNvPr id="1" name=""/>
-        <p:cNvGrpSpPr/>
-        <p:nvPr/>
-      </p:nvGrpSpPr>
-      <p:grpSpPr>
-        <a:xfrm>
-          <a:off x="0" y="0"/>
-          <a:ext cx="0" cy="0"/>
-          <a:chOff x="0" y="0"/>
-          <a:chExt cx="0" cy="0"/>
-        </a:xfrm>
-      </p:grpSpPr>
-      <p:sp>
-        <p:nvSpPr>
-          <p:cNvPr id="2" name="Title 1">
-            <a:extLst>
-              <a:ext uri="{FF2B5EF4-FFF2-40B4-BE49-F238E27FC236}">
-                <a16:creationId xmlns:a16="http://schemas.microsoft.com/office/drawing/2014/main" id="{CA01B8AF-BFCB-10A6-D36C-11A925018C8B}"/>
-              </a:ext>
-            </a:extLst>
-          </p:cNvPr>
-          <p:cNvSpPr>
-            <a:spLocks noGrp="1"/>
-          </p:cNvSpPr>
-          <p:nvPr>
-            <p:ph type="title"/>
-          </p:nvPr>
-        </p:nvSpPr>
-        <p:spPr>
-          <a:xfrm>
-            <a:off x="0" y="7213"/>
-            <a:ext cx="11917017" cy="1325563"/>
-          </a:xfrm>
-        </p:spPr>
-        <p:txBody>
-          <a:bodyPr/>
-          <a:lstStyle/>
-          <a:p>
-            <a:r>
-              <a:rPr lang="en-US" dirty="0">
-                <a:latin typeface="Helvetica" pitchFamily="2" charset="0"/>
-              </a:rPr>
-              <a:t>Referencing Coordinate Reference Systems</a:t>
-            </a:r>
-          </a:p>
-        </p:txBody>
-      </p:sp>
-      <p:sp>
-        <p:nvSpPr>
-          <p:cNvPr id="6" name="Content Placeholder 2">
-            <a:extLst>
-              <a:ext uri="{FF2B5EF4-FFF2-40B4-BE49-F238E27FC236}">
-                <a16:creationId xmlns:a16="http://schemas.microsoft.com/office/drawing/2014/main" id="{CF30D9C2-91C2-04A9-4400-62D307DEB68E}"/>
-              </a:ext>
-            </a:extLst>
-          </p:cNvPr>
-          <p:cNvSpPr txBox="1">
-            <a:spLocks/>
-          </p:cNvSpPr>
-          <p:nvPr/>
-        </p:nvSpPr>
-        <p:spPr>
-          <a:xfrm>
-            <a:off x="729207" y="1147308"/>
-            <a:ext cx="11088546" cy="5553008"/>
-          </a:xfrm>
-          <a:prstGeom prst="rect">
-            <a:avLst/>
-          </a:prstGeom>
-        </p:spPr>
-        <p:txBody>
-          <a:bodyPr vert="horz" lIns="91440" tIns="45720" rIns="91440" bIns="45720" rtlCol="0">
-            <a:normAutofit/>
-          </a:bodyPr>
-          <a:lstStyle>
-            <a:lvl1pPr marL="228600" indent="-228600" algn="l" defTabSz="914400" rtl="0" eaLnBrk="1" latinLnBrk="0" hangingPunct="1">
-              <a:lnSpc>
-                <a:spcPct val="90000"/>
-              </a:lnSpc>
-              <a:spcBef>
-                <a:spcPts val="1000"/>
-              </a:spcBef>
-              <a:buFont typeface="Arial" panose="020B0604020202020204" pitchFamily="34" charset="0"/>
-              <a:buChar char="•"/>
-              <a:defRPr sz="2800" kern="1200">
-                <a:solidFill>
-                  <a:schemeClr val="tx1"/>
-                </a:solidFill>
-                <a:latin typeface="+mn-lt"/>
-                <a:ea typeface="+mn-ea"/>
-                <a:cs typeface="+mn-cs"/>
-              </a:defRPr>
-            </a:lvl1pPr>
-            <a:lvl2pPr marL="685800" indent="-228600" algn="l" defTabSz="914400" rtl="0" eaLnBrk="1" latinLnBrk="0" hangingPunct="1">
-              <a:lnSpc>
-                <a:spcPct val="90000"/>
-              </a:lnSpc>
-              <a:spcBef>
-                <a:spcPts val="500"/>
-              </a:spcBef>
-              <a:buFont typeface="Arial" panose="020B0604020202020204" pitchFamily="34" charset="0"/>
-              <a:buChar char="•"/>
-              <a:defRPr sz="2400" kern="1200">
-                <a:solidFill>
-                  <a:schemeClr val="tx1"/>
-                </a:solidFill>
-                <a:latin typeface="+mn-lt"/>
-                <a:ea typeface="+mn-ea"/>
-                <a:cs typeface="+mn-cs"/>
-              </a:defRPr>
-            </a:lvl2pPr>
-            <a:lvl3pPr marL="1143000" indent="-228600" algn="l" defTabSz="914400" rtl="0" eaLnBrk="1" latinLnBrk="0" hangingPunct="1">
-              <a:lnSpc>
-                <a:spcPct val="90000"/>
-              </a:lnSpc>
-              <a:spcBef>
-                <a:spcPts val="500"/>
-              </a:spcBef>
-              <a:buFont typeface="Arial" panose="020B0604020202020204" pitchFamily="34" charset="0"/>
-              <a:buChar char="•"/>
-              <a:defRPr sz="2000" kern="1200">
-                <a:solidFill>
-                  <a:schemeClr val="tx1"/>
-                </a:solidFill>
-                <a:latin typeface="+mn-lt"/>
-                <a:ea typeface="+mn-ea"/>
-                <a:cs typeface="+mn-cs"/>
-              </a:defRPr>
-            </a:lvl3pPr>
-            <a:lvl4pPr marL="1600200" indent="-228600" algn="l" defTabSz="914400" rtl="0" eaLnBrk="1" latinLnBrk="0" hangingPunct="1">
-              <a:lnSpc>
-                <a:spcPct val="90000"/>
-              </a:lnSpc>
-              <a:spcBef>
-                <a:spcPts val="500"/>
-              </a:spcBef>
-              <a:buFont typeface="Arial" panose="020B0604020202020204" pitchFamily="34" charset="0"/>
-              <a:buChar char="•"/>
-              <a:defRPr sz="1800" kern="1200">
-                <a:solidFill>
-                  <a:schemeClr val="tx1"/>
-                </a:solidFill>
-                <a:latin typeface="+mn-lt"/>
-                <a:ea typeface="+mn-ea"/>
-                <a:cs typeface="+mn-cs"/>
-              </a:defRPr>
-            </a:lvl4pPr>
-            <a:lvl5pPr marL="2057400" indent="-228600" algn="l" defTabSz="914400" rtl="0" eaLnBrk="1" latinLnBrk="0" hangingPunct="1">
-              <a:lnSpc>
-                <a:spcPct val="90000"/>
-              </a:lnSpc>
-              <a:spcBef>
-                <a:spcPts val="500"/>
-              </a:spcBef>
-              <a:buFont typeface="Arial" panose="020B0604020202020204" pitchFamily="34" charset="0"/>
-              <a:buChar char="•"/>
-              <a:defRPr sz="1800" kern="1200">
-                <a:solidFill>
-                  <a:schemeClr val="tx1"/>
-                </a:solidFill>
-                <a:latin typeface="+mn-lt"/>
-                <a:ea typeface="+mn-ea"/>
-                <a:cs typeface="+mn-cs"/>
-              </a:defRPr>
-            </a:lvl5pPr>
-            <a:lvl6pPr marL="2514600" indent="-228600" algn="l" defTabSz="914400" rtl="0" eaLnBrk="1" latinLnBrk="0" hangingPunct="1">
-              <a:lnSpc>
-                <a:spcPct val="90000"/>
-              </a:lnSpc>
-              <a:spcBef>
-                <a:spcPts val="500"/>
-              </a:spcBef>
-              <a:buFont typeface="Arial" panose="020B0604020202020204" pitchFamily="34" charset="0"/>
-              <a:buChar char="•"/>
-              <a:defRPr sz="1800" kern="1200">
-                <a:solidFill>
-                  <a:schemeClr val="tx1"/>
-                </a:solidFill>
-                <a:latin typeface="+mn-lt"/>
-                <a:ea typeface="+mn-ea"/>
-                <a:cs typeface="+mn-cs"/>
-              </a:defRPr>
-            </a:lvl6pPr>
-            <a:lvl7pPr marL="2971800" indent="-228600" algn="l" defTabSz="914400" rtl="0" eaLnBrk="1" latinLnBrk="0" hangingPunct="1">
-              <a:lnSpc>
-                <a:spcPct val="90000"/>
-              </a:lnSpc>
-              <a:spcBef>
-                <a:spcPts val="500"/>
-              </a:spcBef>
-              <a:buFont typeface="Arial" panose="020B0604020202020204" pitchFamily="34" charset="0"/>
-              <a:buChar char="•"/>
-              <a:defRPr sz="1800" kern="1200">
-                <a:solidFill>
-                  <a:schemeClr val="tx1"/>
-                </a:solidFill>
-                <a:latin typeface="+mn-lt"/>
-                <a:ea typeface="+mn-ea"/>
-                <a:cs typeface="+mn-cs"/>
-              </a:defRPr>
-            </a:lvl7pPr>
-            <a:lvl8pPr marL="3429000" indent="-228600" algn="l" defTabSz="914400" rtl="0" eaLnBrk="1" latinLnBrk="0" hangingPunct="1">
-              <a:lnSpc>
-                <a:spcPct val="90000"/>
-              </a:lnSpc>
-              <a:spcBef>
-                <a:spcPts val="500"/>
-              </a:spcBef>
-              <a:buFont typeface="Arial" panose="020B0604020202020204" pitchFamily="34" charset="0"/>
-              <a:buChar char="•"/>
-              <a:defRPr sz="1800" kern="1200">
-                <a:solidFill>
-                  <a:schemeClr val="tx1"/>
-                </a:solidFill>
-                <a:latin typeface="+mn-lt"/>
-                <a:ea typeface="+mn-ea"/>
-                <a:cs typeface="+mn-cs"/>
-              </a:defRPr>
-            </a:lvl8pPr>
-            <a:lvl9pPr marL="3886200" indent="-228600" algn="l" defTabSz="914400" rtl="0" eaLnBrk="1" latinLnBrk="0" hangingPunct="1">
-              <a:lnSpc>
-                <a:spcPct val="90000"/>
-              </a:lnSpc>
-              <a:spcBef>
-                <a:spcPts val="500"/>
-              </a:spcBef>
-              <a:buFont typeface="Arial" panose="020B0604020202020204" pitchFamily="34" charset="0"/>
-              <a:buChar char="•"/>
-              <a:defRPr sz="1800" kern="1200">
-                <a:solidFill>
-                  <a:schemeClr val="tx1"/>
-                </a:solidFill>
-                <a:latin typeface="+mn-lt"/>
-                <a:ea typeface="+mn-ea"/>
-                <a:cs typeface="+mn-cs"/>
-              </a:defRPr>
-            </a:lvl9pPr>
-          </a:lstStyle>
-          <a:p>
-            <a:pPr marL="0" indent="0">
-              <a:buNone/>
-            </a:pPr>
-            <a:r>
-              <a:rPr lang="en-US" sz="2500" dirty="0"/>
-              <a:t>Coordinate reference systems can be referenced in multiple ways. </a:t>
-            </a:r>
-          </a:p>
-          <a:p>
-            <a:pPr marL="0" indent="0">
-              <a:buNone/>
-            </a:pPr>
-            <a:endParaRPr lang="en-US" sz="2500" dirty="0"/>
-          </a:p>
-          <a:p>
-            <a:pPr marL="0" indent="0">
-              <a:buNone/>
-            </a:pPr>
-            <a:r>
-              <a:rPr lang="en-US" sz="2500" b="1" dirty="0"/>
-              <a:t>PROJ: </a:t>
-            </a:r>
-            <a:r>
-              <a:rPr lang="en-US" sz="2500" dirty="0"/>
-              <a:t>One standard way of referencing CRSs is defined by </a:t>
-            </a:r>
-            <a:r>
-              <a:rPr lang="en-US" sz="2500" dirty="0">
-                <a:hlinkClick r:id="rId3"/>
-              </a:rPr>
-              <a:t>PROJ</a:t>
-            </a:r>
-            <a:r>
-              <a:rPr lang="en-US" sz="2500" dirty="0"/>
-              <a:t> (a CRS library):</a:t>
-            </a:r>
-          </a:p>
-          <a:p>
-            <a:r>
-              <a:rPr lang="en-US" sz="2500" b="1" dirty="0"/>
-              <a:t>WGS 84: </a:t>
-            </a:r>
-            <a:r>
-              <a:rPr lang="en-US" sz="2500" dirty="0"/>
-              <a:t>+</a:t>
-            </a:r>
-            <a:r>
-              <a:rPr lang="en-US" sz="2500" dirty="0" err="1"/>
-              <a:t>proj</a:t>
-            </a:r>
-            <a:r>
-              <a:rPr lang="en-US" sz="2500" dirty="0"/>
-              <a:t>=</a:t>
-            </a:r>
-            <a:r>
-              <a:rPr lang="en-US" sz="2500" dirty="0" err="1"/>
-              <a:t>longlat</a:t>
-            </a:r>
-            <a:r>
-              <a:rPr lang="en-US" sz="2500" dirty="0"/>
-              <a:t> +datum=WGS84 +</a:t>
-            </a:r>
-            <a:r>
-              <a:rPr lang="en-US" sz="2500" dirty="0" err="1"/>
-              <a:t>no_defs</a:t>
-            </a:r>
-            <a:r>
-              <a:rPr lang="en-US" sz="2500" dirty="0"/>
-              <a:t> +type=</a:t>
-            </a:r>
-            <a:r>
-              <a:rPr lang="en-US" sz="2500" dirty="0" err="1"/>
-              <a:t>crs</a:t>
-            </a:r>
-            <a:endParaRPr lang="en-US" sz="2500" dirty="0"/>
-          </a:p>
-          <a:p>
-            <a:r>
-              <a:rPr lang="en-US" sz="2500" b="1" dirty="0"/>
-              <a:t>Mercator Projection: </a:t>
-            </a:r>
-            <a:r>
-              <a:rPr lang="en-US" sz="2500" dirty="0"/>
-              <a:t>+</a:t>
-            </a:r>
-            <a:r>
-              <a:rPr lang="en-US" sz="2500" dirty="0" err="1"/>
-              <a:t>proj</a:t>
-            </a:r>
-            <a:r>
-              <a:rPr lang="en-US" sz="2500" dirty="0"/>
-              <a:t>=merc +</a:t>
-            </a:r>
-            <a:r>
-              <a:rPr lang="en-US" sz="2500" dirty="0" err="1"/>
-              <a:t>lat_ts</a:t>
-            </a:r>
-            <a:r>
-              <a:rPr lang="en-US" sz="2500" dirty="0"/>
-              <a:t>=0 +lon_0=0 +x_0=0 +y_0=0 +R=6371000 +units=m +</a:t>
-            </a:r>
-            <a:r>
-              <a:rPr lang="en-US" sz="2500" dirty="0" err="1"/>
-              <a:t>no_defs</a:t>
-            </a:r>
-            <a:r>
-              <a:rPr lang="en-US" sz="2500" dirty="0"/>
-              <a:t> +type=</a:t>
-            </a:r>
-            <a:r>
-              <a:rPr lang="en-US" sz="2500" dirty="0" err="1"/>
-              <a:t>crs</a:t>
-            </a:r>
-            <a:endParaRPr lang="en-US" sz="2500" dirty="0"/>
-          </a:p>
-          <a:p>
-            <a:endParaRPr lang="en-US" sz="2500" dirty="0"/>
-          </a:p>
-          <a:p>
-            <a:pPr marL="0" indent="0">
-              <a:buNone/>
-            </a:pPr>
-            <a:r>
-              <a:rPr lang="en-US" sz="2500" b="1" dirty="0"/>
-              <a:t>EPSG: </a:t>
-            </a:r>
-            <a:r>
-              <a:rPr lang="en-US" sz="2500" dirty="0"/>
-              <a:t>PROJ (and other systems) can be cumbersome. The European Petroleum Survey Group (EPSG) publishes a </a:t>
-            </a:r>
-            <a:r>
-              <a:rPr lang="en-US" sz="2500" dirty="0">
-                <a:hlinkClick r:id="rId4"/>
-              </a:rPr>
-              <a:t>database</a:t>
-            </a:r>
-            <a:r>
-              <a:rPr lang="en-US" sz="2500" dirty="0"/>
-              <a:t> of CRSs that provides a numeric ID to each CRS:</a:t>
-            </a:r>
-          </a:p>
-          <a:p>
-            <a:r>
-              <a:rPr lang="en-US" sz="2500" b="1" dirty="0"/>
-              <a:t>WGS 84: </a:t>
-            </a:r>
-            <a:r>
-              <a:rPr lang="en-US" sz="2500" dirty="0">
-                <a:hlinkClick r:id="rId5"/>
-              </a:rPr>
-              <a:t>EPSG:4326</a:t>
-            </a:r>
-            <a:endParaRPr lang="en-US" sz="2500" dirty="0"/>
-          </a:p>
-          <a:p>
-            <a:r>
-              <a:rPr lang="en-US" sz="2500" b="1" dirty="0"/>
-              <a:t>Mercator Projection: </a:t>
-            </a:r>
-            <a:r>
-              <a:rPr lang="en-US" sz="2500" dirty="0">
-                <a:hlinkClick r:id="rId6"/>
-              </a:rPr>
-              <a:t>EPSG:53004</a:t>
-            </a:r>
-            <a:endParaRPr lang="en-US" sz="2500" dirty="0"/>
-          </a:p>
-          <a:p>
-            <a:pPr marL="0" indent="0">
-              <a:buNone/>
-            </a:pPr>
-            <a:endParaRPr lang="en-US" sz="2500" b="1" dirty="0"/>
-          </a:p>
-          <a:p>
-            <a:endParaRPr lang="en-US" dirty="0"/>
-          </a:p>
-          <a:p>
-            <a:endParaRPr lang="en-US" dirty="0"/>
-          </a:p>
-        </p:txBody>
-      </p:sp>
-    </p:spTree>
-    <p:extLst>
-      <p:ext uri="{BB962C8B-B14F-4D97-AF65-F5344CB8AC3E}">
-        <p14:creationId xmlns:p14="http://schemas.microsoft.com/office/powerpoint/2010/main" val="1593619441"/>
       </p:ext>
     </p:extLst>
   </p:cSld>

--- a/1-foundations/5-geospatial-analysis/Introduction to GIS.pptx
+++ b/1-foundations/5-geospatial-analysis/Introduction to GIS.pptx
@@ -516,52 +516,6 @@
         <p:txBody>
           <a:bodyPr/>
           <a:lstStyle/>
-          <a:p>
-            <a:r>
-              <a:rPr lang="en-US" dirty="0"/>
-              <a:t>Second day:</a:t>
-            </a:r>
-          </a:p>
-          <a:p>
-            <a:pPr marL="171450" indent="-171450">
-              <a:buFont typeface="Arial" panose="020B0604020202020204" pitchFamily="34" charset="0"/>
-              <a:buChar char="•"/>
-            </a:pPr>
-            <a:r>
-              <a:rPr lang="en-US" dirty="0"/>
-              <a:t>MTN (non spatial)</a:t>
-            </a:r>
-          </a:p>
-          <a:p>
-            <a:pPr marL="171450" indent="-171450">
-              <a:buFont typeface="Arial" panose="020B0604020202020204" pitchFamily="34" charset="0"/>
-              <a:buChar char="•"/>
-            </a:pPr>
-            <a:r>
-              <a:rPr lang="en-US" dirty="0"/>
-              <a:t>Spatial analysis presentation</a:t>
-            </a:r>
-          </a:p>
-          <a:p>
-            <a:pPr marL="171450" indent="-171450">
-              <a:buFont typeface="Arial" panose="020B0604020202020204" pitchFamily="34" charset="0"/>
-              <a:buChar char="•"/>
-            </a:pPr>
-            <a:r>
-              <a:rPr lang="en-US" dirty="0"/>
-              <a:t>Practice with MTN Spatial (I go through)</a:t>
-            </a:r>
-          </a:p>
-          <a:p>
-            <a:pPr marL="171450" indent="-171450">
-              <a:buFont typeface="Arial" panose="020B0604020202020204" pitchFamily="34" charset="0"/>
-              <a:buChar char="•"/>
-            </a:pPr>
-            <a:r>
-              <a:rPr lang="en-US" dirty="0"/>
-              <a:t>Practice: have them do other things?</a:t>
-            </a:r>
-          </a:p>
           <a:p>
             <a:pPr marL="171450" indent="-171450">
               <a:buFont typeface="Arial" panose="020B0604020202020204" pitchFamily="34" charset="0"/>
@@ -6544,8 +6498,8 @@
         </p:nvSpPr>
         <p:spPr>
           <a:xfrm>
-            <a:off x="222228" y="2069327"/>
-            <a:ext cx="5285762" cy="3785652"/>
+            <a:off x="222228" y="1534510"/>
+            <a:ext cx="5285762" cy="5324535"/>
           </a:xfrm>
           <a:prstGeom prst="rect">
             <a:avLst/>
@@ -6604,6 +6558,56 @@
             </a:r>
             <a:endParaRPr lang="en-US" sz="2000" dirty="0"/>
           </a:p>
+          <a:p>
+            <a:pPr marL="342900" indent="-342900">
+              <a:buFont typeface="Arial" panose="020B0604020202020204" pitchFamily="34" charset="0"/>
+              <a:buChar char="•"/>
+            </a:pPr>
+            <a:endParaRPr lang="en-US" sz="2000" dirty="0"/>
+          </a:p>
+          <a:p>
+            <a:pPr marL="342900" indent="-342900">
+              <a:buFont typeface="Arial" panose="020B0604020202020204" pitchFamily="34" charset="0"/>
+              <a:buChar char="•"/>
+            </a:pPr>
+            <a:r>
+              <a:rPr lang="en-US" sz="2000" dirty="0"/>
+              <a:t>Options for spherical distance calculations</a:t>
+            </a:r>
+          </a:p>
+          <a:p>
+            <a:pPr marL="800100" lvl="1" indent="-342900">
+              <a:buFont typeface="Arial" panose="020B0604020202020204" pitchFamily="34" charset="0"/>
+              <a:buChar char="•"/>
+            </a:pPr>
+            <a:r>
+              <a:rPr lang="en-US" sz="2000" dirty="0"/>
+              <a:t>Formulas such as </a:t>
+            </a:r>
+            <a:r>
+              <a:rPr lang="en-US" sz="2000" dirty="0">
+                <a:hlinkClick r:id="rId3"/>
+              </a:rPr>
+              <a:t>haversine distance</a:t>
+            </a:r>
+            <a:endParaRPr lang="en-US" sz="2000" dirty="0"/>
+          </a:p>
+          <a:p>
+            <a:pPr marL="800100" lvl="1" indent="-342900">
+              <a:buFont typeface="Arial" panose="020B0604020202020204" pitchFamily="34" charset="0"/>
+              <a:buChar char="•"/>
+            </a:pPr>
+            <a:r>
+              <a:rPr lang="en-US" sz="2000" dirty="0">
+                <a:hlinkClick r:id="rId4"/>
+              </a:rPr>
+              <a:t>s2</a:t>
+            </a:r>
+            <a:r>
+              <a:rPr lang="en-US" sz="2000" dirty="0"/>
+              <a:t> (Google library for working with spherical geometries)</a:t>
+            </a:r>
+          </a:p>
         </p:txBody>
       </p:sp>
       <p:pic>
@@ -6621,7 +6625,7 @@
           <p:nvPr/>
         </p:nvPicPr>
         <p:blipFill>
-          <a:blip r:embed="rId3"/>
+          <a:blip r:embed="rId5"/>
           <a:stretch>
             <a:fillRect/>
           </a:stretch>
@@ -6651,7 +6655,7 @@
           <p:nvPr/>
         </p:nvPicPr>
         <p:blipFill>
-          <a:blip r:embed="rId4"/>
+          <a:blip r:embed="rId6"/>
           <a:stretch>
             <a:fillRect/>
           </a:stretch>
